--- a/slides/topics/06_data_subsetting.pptx
+++ b/slides/topics/06_data_subsetting.pptx
@@ -1,6 +1,6 @@
 
 <file path=ppt/presentation.xml><?xml version="1.0" encoding="utf-8"?>
-<p:presentation xmlns:a="http://schemas.openxmlformats.org/drawingml/2006/main" xmlns:p="http://schemas.openxmlformats.org/presentationml/2006/main" xmlns:r="http://schemas.openxmlformats.org/officeDocument/2006/relationships" saveSubsetFonts="1">
+<p:presentation xmlns:a="http://schemas.openxmlformats.org/drawingml/2006/main" xmlns:r="http://schemas.openxmlformats.org/officeDocument/2006/relationships" xmlns:p="http://schemas.openxmlformats.org/presentationml/2006/main" saveSubsetFonts="1">
   <p:sldMasterIdLst>
     <p:sldMasterId id="2147483660" r:id="rId1"/>
   </p:sldMasterIdLst>
@@ -25,8 +25,8 @@
     <a:defPPr>
       <a:defRPr lang="en-US"/>
     </a:defPPr>
-    <a:lvl1pPr algn="l" defTabSz="914400" eaLnBrk="1" hangingPunct="1" latinLnBrk="0" marL="0" rtl="0">
-      <a:defRPr kern="1200" sz="1800">
+    <a:lvl1pPr marL="0" algn="l" defTabSz="914400" rtl="0" eaLnBrk="1" latinLnBrk="0" hangingPunct="1">
+      <a:defRPr sz="1800" kern="1200">
         <a:solidFill>
           <a:schemeClr val="tx1"/>
         </a:solidFill>
@@ -35,8 +35,8 @@
         <a:cs typeface="+mn-cs"/>
       </a:defRPr>
     </a:lvl1pPr>
-    <a:lvl2pPr algn="l" defTabSz="914400" eaLnBrk="1" hangingPunct="1" latinLnBrk="0" marL="457200" rtl="0">
-      <a:defRPr kern="1200" sz="1800">
+    <a:lvl2pPr marL="457200" algn="l" defTabSz="914400" rtl="0" eaLnBrk="1" latinLnBrk="0" hangingPunct="1">
+      <a:defRPr sz="1800" kern="1200">
         <a:solidFill>
           <a:schemeClr val="tx1"/>
         </a:solidFill>
@@ -45,8 +45,8 @@
         <a:cs typeface="+mn-cs"/>
       </a:defRPr>
     </a:lvl2pPr>
-    <a:lvl3pPr algn="l" defTabSz="914400" eaLnBrk="1" hangingPunct="1" latinLnBrk="0" marL="914400" rtl="0">
-      <a:defRPr kern="1200" sz="1800">
+    <a:lvl3pPr marL="914400" algn="l" defTabSz="914400" rtl="0" eaLnBrk="1" latinLnBrk="0" hangingPunct="1">
+      <a:defRPr sz="1800" kern="1200">
         <a:solidFill>
           <a:schemeClr val="tx1"/>
         </a:solidFill>
@@ -55,8 +55,8 @@
         <a:cs typeface="+mn-cs"/>
       </a:defRPr>
     </a:lvl3pPr>
-    <a:lvl4pPr algn="l" defTabSz="914400" eaLnBrk="1" hangingPunct="1" latinLnBrk="0" marL="1371600" rtl="0">
-      <a:defRPr kern="1200" sz="1800">
+    <a:lvl4pPr marL="1371600" algn="l" defTabSz="914400" rtl="0" eaLnBrk="1" latinLnBrk="0" hangingPunct="1">
+      <a:defRPr sz="1800" kern="1200">
         <a:solidFill>
           <a:schemeClr val="tx1"/>
         </a:solidFill>
@@ -65,8 +65,8 @@
         <a:cs typeface="+mn-cs"/>
       </a:defRPr>
     </a:lvl4pPr>
-    <a:lvl5pPr algn="l" defTabSz="914400" eaLnBrk="1" hangingPunct="1" latinLnBrk="0" marL="1828800" rtl="0">
-      <a:defRPr kern="1200" sz="1800">
+    <a:lvl5pPr marL="1828800" algn="l" defTabSz="914400" rtl="0" eaLnBrk="1" latinLnBrk="0" hangingPunct="1">
+      <a:defRPr sz="1800" kern="1200">
         <a:solidFill>
           <a:schemeClr val="tx1"/>
         </a:solidFill>
@@ -75,8 +75,8 @@
         <a:cs typeface="+mn-cs"/>
       </a:defRPr>
     </a:lvl5pPr>
-    <a:lvl6pPr algn="l" defTabSz="914400" eaLnBrk="1" hangingPunct="1" latinLnBrk="0" marL="2286000" rtl="0">
-      <a:defRPr kern="1200" sz="1800">
+    <a:lvl6pPr marL="2286000" algn="l" defTabSz="914400" rtl="0" eaLnBrk="1" latinLnBrk="0" hangingPunct="1">
+      <a:defRPr sz="1800" kern="1200">
         <a:solidFill>
           <a:schemeClr val="tx1"/>
         </a:solidFill>
@@ -85,8 +85,8 @@
         <a:cs typeface="+mn-cs"/>
       </a:defRPr>
     </a:lvl6pPr>
-    <a:lvl7pPr algn="l" defTabSz="914400" eaLnBrk="1" hangingPunct="1" latinLnBrk="0" marL="2743200" rtl="0">
-      <a:defRPr kern="1200" sz="1800">
+    <a:lvl7pPr marL="2743200" algn="l" defTabSz="914400" rtl="0" eaLnBrk="1" latinLnBrk="0" hangingPunct="1">
+      <a:defRPr sz="1800" kern="1200">
         <a:solidFill>
           <a:schemeClr val="tx1"/>
         </a:solidFill>
@@ -95,8 +95,8 @@
         <a:cs typeface="+mn-cs"/>
       </a:defRPr>
     </a:lvl7pPr>
-    <a:lvl8pPr algn="l" defTabSz="914400" eaLnBrk="1" hangingPunct="1" latinLnBrk="0" marL="3200400" rtl="0">
-      <a:defRPr kern="1200" sz="1800">
+    <a:lvl8pPr marL="3200400" algn="l" defTabSz="914400" rtl="0" eaLnBrk="1" latinLnBrk="0" hangingPunct="1">
+      <a:defRPr sz="1800" kern="1200">
         <a:solidFill>
           <a:schemeClr val="tx1"/>
         </a:solidFill>
@@ -105,8 +105,8 @@
         <a:cs typeface="+mn-cs"/>
       </a:defRPr>
     </a:lvl8pPr>
-    <a:lvl9pPr algn="l" defTabSz="914400" eaLnBrk="1" hangingPunct="1" latinLnBrk="0" marL="3657600" rtl="0">
-      <a:defRPr kern="1200" sz="1800">
+    <a:lvl9pPr marL="3657600" algn="l" defTabSz="914400" rtl="0" eaLnBrk="1" latinLnBrk="0" hangingPunct="1">
+      <a:defRPr sz="1800" kern="1200">
         <a:solidFill>
           <a:schemeClr val="tx1"/>
         </a:solidFill>
@@ -116,6 +116,11 @@
       </a:defRPr>
     </a:lvl9pPr>
   </p:defaultTextStyle>
+  <p:extLst>
+    <p:ext uri="{EFAFB233-063F-42B5-8137-9DF3F51BA10A}">
+      <p15:sldGuideLst xmlns:p15="http://schemas.microsoft.com/office/powerpoint/2012/main"/>
+    </p:ext>
+  </p:extLst>
 </p:presentation>
 </file>
 
@@ -268,7 +273,7 @@
           <a:p>
             <a:fld id="{C570B161-8950-4543-98EC-9F2A6A717D4A}" type="datetimeFigureOut">
               <a:rPr lang="en-GB" smtClean="0"/>
-              <a:t>07/07/2025</a:t>
+              <a:t>08/07/2025</a:t>
             </a:fld>
             <a:endParaRPr lang="en-GB"/>
           </a:p>
@@ -468,7 +473,7 @@
           <a:p>
             <a:fld id="{C570B161-8950-4543-98EC-9F2A6A717D4A}" type="datetimeFigureOut">
               <a:rPr lang="en-GB" smtClean="0"/>
-              <a:t>07/07/2025</a:t>
+              <a:t>08/07/2025</a:t>
             </a:fld>
             <a:endParaRPr lang="en-GB"/>
           </a:p>
@@ -678,7 +683,7 @@
           <a:p>
             <a:fld id="{C570B161-8950-4543-98EC-9F2A6A717D4A}" type="datetimeFigureOut">
               <a:rPr lang="en-GB" smtClean="0"/>
-              <a:t>07/07/2025</a:t>
+              <a:t>08/07/2025</a:t>
             </a:fld>
             <a:endParaRPr lang="en-GB"/>
           </a:p>
@@ -878,7 +883,7 @@
           <a:p>
             <a:fld id="{C570B161-8950-4543-98EC-9F2A6A717D4A}" type="datetimeFigureOut">
               <a:rPr lang="en-GB" smtClean="0"/>
-              <a:t>07/07/2025</a:t>
+              <a:t>08/07/2025</a:t>
             </a:fld>
             <a:endParaRPr lang="en-GB"/>
           </a:p>
@@ -1154,7 +1159,7 @@
           <a:p>
             <a:fld id="{C570B161-8950-4543-98EC-9F2A6A717D4A}" type="datetimeFigureOut">
               <a:rPr lang="en-GB" smtClean="0"/>
-              <a:t>07/07/2025</a:t>
+              <a:t>08/07/2025</a:t>
             </a:fld>
             <a:endParaRPr lang="en-GB"/>
           </a:p>
@@ -1422,7 +1427,7 @@
           <a:p>
             <a:fld id="{C570B161-8950-4543-98EC-9F2A6A717D4A}" type="datetimeFigureOut">
               <a:rPr lang="en-GB" smtClean="0"/>
-              <a:t>07/07/2025</a:t>
+              <a:t>08/07/2025</a:t>
             </a:fld>
             <a:endParaRPr lang="en-GB"/>
           </a:p>
@@ -1837,7 +1842,7 @@
           <a:p>
             <a:fld id="{C570B161-8950-4543-98EC-9F2A6A717D4A}" type="datetimeFigureOut">
               <a:rPr lang="en-GB" smtClean="0"/>
-              <a:t>07/07/2025</a:t>
+              <a:t>08/07/2025</a:t>
             </a:fld>
             <a:endParaRPr lang="en-GB"/>
           </a:p>
@@ -1979,7 +1984,7 @@
           <a:p>
             <a:fld id="{C570B161-8950-4543-98EC-9F2A6A717D4A}" type="datetimeFigureOut">
               <a:rPr lang="en-GB" smtClean="0"/>
-              <a:t>07/07/2025</a:t>
+              <a:t>08/07/2025</a:t>
             </a:fld>
             <a:endParaRPr lang="en-GB"/>
           </a:p>
@@ -2092,7 +2097,7 @@
           <a:p>
             <a:fld id="{C570B161-8950-4543-98EC-9F2A6A717D4A}" type="datetimeFigureOut">
               <a:rPr lang="en-GB" smtClean="0"/>
-              <a:t>07/07/2025</a:t>
+              <a:t>08/07/2025</a:t>
             </a:fld>
             <a:endParaRPr lang="en-GB"/>
           </a:p>
@@ -2405,7 +2410,7 @@
           <a:p>
             <a:fld id="{C570B161-8950-4543-98EC-9F2A6A717D4A}" type="datetimeFigureOut">
               <a:rPr lang="en-GB" smtClean="0"/>
-              <a:t>07/07/2025</a:t>
+              <a:t>08/07/2025</a:t>
             </a:fld>
             <a:endParaRPr lang="en-GB"/>
           </a:p>
@@ -2698,7 +2703,7 @@
           <a:p>
             <a:fld id="{C570B161-8950-4543-98EC-9F2A6A717D4A}" type="datetimeFigureOut">
               <a:rPr lang="en-GB" smtClean="0"/>
-              <a:t>07/07/2025</a:t>
+              <a:t>08/07/2025</a:t>
             </a:fld>
             <a:endParaRPr lang="en-GB"/>
           </a:p>
@@ -2772,7 +2777,7 @@
 </file>
 
 <file path=ppt/slideMasters/slideMaster1.xml><?xml version="1.0" encoding="utf-8"?>
-<p:sldMaster xmlns:a="http://schemas.openxmlformats.org/drawingml/2006/main" xmlns:p="http://schemas.openxmlformats.org/presentationml/2006/main" xmlns:r="http://schemas.openxmlformats.org/officeDocument/2006/relationships">
+<p:sldMaster xmlns:a="http://schemas.openxmlformats.org/drawingml/2006/main" xmlns:r="http://schemas.openxmlformats.org/officeDocument/2006/relationships" xmlns:p="http://schemas.openxmlformats.org/presentationml/2006/main">
   <p:cSld>
     <p:bg>
       <p:bgPr>
@@ -2822,7 +2827,7 @@
           </a:prstGeom>
         </p:spPr>
         <p:txBody>
-          <a:bodyPr anchor="ctr" bIns="45720" lIns="91440" rIns="91440" rtlCol="0" tIns="45720" vert="horz">
+          <a:bodyPr vert="horz" lIns="91440" tIns="45720" rIns="91440" bIns="45720" rtlCol="0" anchor="ctr">
             <a:normAutofit/>
           </a:bodyPr>
           <a:lstStyle/>
@@ -2831,7 +2836,7 @@
               <a:rPr lang="en-US"/>
               <a:t>Click to edit Master title style</a:t>
             </a:r>
-            <a:endParaRPr dirty="0" lang="en-GB"/>
+            <a:endParaRPr lang="en-GB" dirty="0"/>
           </a:p>
         </p:txBody>
       </p:sp>
@@ -2848,7 +2853,7 @@
             <a:spLocks noGrp="1"/>
           </p:cNvSpPr>
           <p:nvPr>
-            <p:ph idx="1" type="body"/>
+            <p:ph type="body" idx="1"/>
           </p:nvPr>
         </p:nvSpPr>
         <p:spPr>
@@ -2861,7 +2866,7 @@
           </a:prstGeom>
         </p:spPr>
         <p:txBody>
-          <a:bodyPr bIns="45720" lIns="91440" rIns="91440" rtlCol="0" tIns="45720" vert="horz">
+          <a:bodyPr vert="horz" lIns="91440" tIns="45720" rIns="91440" bIns="45720" rtlCol="0">
             <a:normAutofit/>
           </a:bodyPr>
           <a:lstStyle/>
@@ -2916,7 +2921,7 @@
             <a:spLocks noGrp="1"/>
           </p:cNvSpPr>
           <p:nvPr>
-            <p:ph idx="2" sz="half" type="dt"/>
+            <p:ph type="dt" sz="half" idx="2"/>
           </p:nvPr>
         </p:nvSpPr>
         <p:spPr>
@@ -2929,7 +2934,7 @@
           </a:prstGeom>
         </p:spPr>
         <p:txBody>
-          <a:bodyPr anchor="ctr" bIns="45720" lIns="91440" rIns="91440" rtlCol="0" tIns="45720" vert="horz"/>
+          <a:bodyPr vert="horz" lIns="91440" tIns="45720" rIns="91440" bIns="45720" rtlCol="0" anchor="ctr"/>
           <a:lstStyle>
             <a:lvl1pPr algn="l">
               <a:defRPr sz="1200">
@@ -2944,7 +2949,7 @@
           <a:p>
             <a:fld id="{C570B161-8950-4543-98EC-9F2A6A717D4A}" type="datetimeFigureOut">
               <a:rPr lang="en-GB" smtClean="0"/>
-              <a:t>07/07/2025</a:t>
+              <a:t>08/07/2025</a:t>
             </a:fld>
             <a:endParaRPr lang="en-GB"/>
           </a:p>
@@ -2963,7 +2968,7 @@
             <a:spLocks noGrp="1"/>
           </p:cNvSpPr>
           <p:nvPr>
-            <p:ph idx="3" sz="quarter" type="ftr"/>
+            <p:ph type="ftr" sz="quarter" idx="3"/>
           </p:nvPr>
         </p:nvSpPr>
         <p:spPr>
@@ -2976,7 +2981,7 @@
           </a:prstGeom>
         </p:spPr>
         <p:txBody>
-          <a:bodyPr anchor="ctr" bIns="45720" lIns="91440" rIns="91440" rtlCol="0" tIns="45720" vert="horz"/>
+          <a:bodyPr vert="horz" lIns="91440" tIns="45720" rIns="91440" bIns="45720" rtlCol="0" anchor="ctr"/>
           <a:lstStyle>
             <a:lvl1pPr algn="ctr">
               <a:defRPr sz="1200">
@@ -3006,7 +3011,7 @@
             <a:spLocks noGrp="1"/>
           </p:cNvSpPr>
           <p:nvPr>
-            <p:ph idx="4" sz="quarter" type="sldNum"/>
+            <p:ph type="sldNum" sz="quarter" idx="4"/>
           </p:nvPr>
         </p:nvSpPr>
         <p:spPr>
@@ -3019,7 +3024,7 @@
           </a:prstGeom>
         </p:spPr>
         <p:txBody>
-          <a:bodyPr anchor="ctr" bIns="45720" lIns="91440" rIns="91440" rtlCol="0" tIns="45720" vert="horz"/>
+          <a:bodyPr vert="horz" lIns="91440" tIns="45720" rIns="91440" bIns="45720" rtlCol="0" anchor="ctr"/>
           <a:lstStyle>
             <a:lvl1pPr algn="r">
               <a:defRPr sz="1200">
@@ -3047,7 +3052,7 @@
       </p:ext>
     </p:extLst>
   </p:cSld>
-  <p:clrMap accent1="accent1" accent2="accent2" accent3="accent3" accent4="accent4" accent5="accent5" accent6="accent6" bg1="lt1" bg2="lt2" folHlink="folHlink" hlink="hlink" tx1="dk1" tx2="dk2"/>
+  <p:clrMap bg1="lt1" tx1="dk1" bg2="lt2" tx2="dk2" accent1="accent1" accent2="accent2" accent3="accent3" accent4="accent4" accent5="accent5" accent6="accent6" hlink="hlink" folHlink="folHlink"/>
   <p:sldLayoutIdLst>
     <p:sldLayoutId id="2147483661" r:id="rId1"/>
     <p:sldLayoutId id="2147483662" r:id="rId2"/>
@@ -3063,7 +3068,7 @@
   </p:sldLayoutIdLst>
   <p:txStyles>
     <p:titleStyle>
-      <a:lvl1pPr algn="l" defTabSz="914400" eaLnBrk="1" hangingPunct="1" latinLnBrk="0" rtl="0">
+      <a:lvl1pPr algn="l" defTabSz="914400" rtl="0" eaLnBrk="1" latinLnBrk="0" hangingPunct="1">
         <a:lnSpc>
           <a:spcPct val="90000"/>
         </a:lnSpc>
@@ -3071,7 +3076,7 @@
           <a:spcPct val="0"/>
         </a:spcBef>
         <a:buNone/>
-        <a:defRPr kern="1200" sz="4400">
+        <a:defRPr sz="4400" kern="1200">
           <a:solidFill>
             <a:schemeClr val="tx1"/>
           </a:solidFill>
@@ -3082,16 +3087,16 @@
       </a:lvl1pPr>
     </p:titleStyle>
     <p:bodyStyle>
-      <a:lvl1pPr algn="l" defTabSz="914400" eaLnBrk="1" hangingPunct="1" indent="-228600" latinLnBrk="0" marL="228600" rtl="0">
+      <a:lvl1pPr marL="228600" indent="-228600" algn="l" defTabSz="914400" rtl="0" eaLnBrk="1" latinLnBrk="0" hangingPunct="1">
         <a:lnSpc>
           <a:spcPct val="90000"/>
         </a:lnSpc>
         <a:spcBef>
           <a:spcPts val="1000"/>
         </a:spcBef>
-        <a:buFont charset="0" panose="020B0604020202020204" pitchFamily="34" typeface="Arial"/>
+        <a:buFont typeface="Arial" panose="020B0604020202020204" pitchFamily="34" charset="0"/>
         <a:buChar char="•"/>
-        <a:defRPr kern="1200" sz="2800">
+        <a:defRPr sz="2800" kern="1200">
           <a:solidFill>
             <a:schemeClr val="tx1"/>
           </a:solidFill>
@@ -3100,16 +3105,16 @@
           <a:cs typeface="+mn-cs"/>
         </a:defRPr>
       </a:lvl1pPr>
-      <a:lvl2pPr algn="l" defTabSz="914400" eaLnBrk="1" hangingPunct="1" indent="-228600" latinLnBrk="0" marL="685800" rtl="0">
+      <a:lvl2pPr marL="685800" indent="-228600" algn="l" defTabSz="914400" rtl="0" eaLnBrk="1" latinLnBrk="0" hangingPunct="1">
         <a:lnSpc>
           <a:spcPct val="90000"/>
         </a:lnSpc>
         <a:spcBef>
           <a:spcPts val="500"/>
         </a:spcBef>
-        <a:buFont charset="0" panose="020B0604020202020204" pitchFamily="34" typeface="Arial"/>
+        <a:buFont typeface="Arial" panose="020B0604020202020204" pitchFamily="34" charset="0"/>
         <a:buChar char="•"/>
-        <a:defRPr kern="1200" sz="2400">
+        <a:defRPr sz="2400" kern="1200">
           <a:solidFill>
             <a:schemeClr val="tx1"/>
           </a:solidFill>
@@ -3118,16 +3123,16 @@
           <a:cs typeface="+mn-cs"/>
         </a:defRPr>
       </a:lvl2pPr>
-      <a:lvl3pPr algn="l" defTabSz="914400" eaLnBrk="1" hangingPunct="1" indent="-228600" latinLnBrk="0" marL="1143000" rtl="0">
+      <a:lvl3pPr marL="1143000" indent="-228600" algn="l" defTabSz="914400" rtl="0" eaLnBrk="1" latinLnBrk="0" hangingPunct="1">
         <a:lnSpc>
           <a:spcPct val="90000"/>
         </a:lnSpc>
         <a:spcBef>
           <a:spcPts val="500"/>
         </a:spcBef>
-        <a:buFont charset="0" panose="020B0604020202020204" pitchFamily="34" typeface="Arial"/>
+        <a:buFont typeface="Arial" panose="020B0604020202020204" pitchFamily="34" charset="0"/>
         <a:buChar char="•"/>
-        <a:defRPr kern="1200" sz="2000">
+        <a:defRPr sz="2000" kern="1200">
           <a:solidFill>
             <a:schemeClr val="tx1"/>
           </a:solidFill>
@@ -3136,16 +3141,16 @@
           <a:cs typeface="+mn-cs"/>
         </a:defRPr>
       </a:lvl3pPr>
-      <a:lvl4pPr algn="l" defTabSz="914400" eaLnBrk="1" hangingPunct="1" indent="-228600" latinLnBrk="0" marL="1600200" rtl="0">
+      <a:lvl4pPr marL="1600200" indent="-228600" algn="l" defTabSz="914400" rtl="0" eaLnBrk="1" latinLnBrk="0" hangingPunct="1">
         <a:lnSpc>
           <a:spcPct val="90000"/>
         </a:lnSpc>
         <a:spcBef>
           <a:spcPts val="500"/>
         </a:spcBef>
-        <a:buFont charset="0" panose="020B0604020202020204" pitchFamily="34" typeface="Arial"/>
+        <a:buFont typeface="Arial" panose="020B0604020202020204" pitchFamily="34" charset="0"/>
         <a:buChar char="•"/>
-        <a:defRPr kern="1200" sz="1800">
+        <a:defRPr sz="1800" kern="1200">
           <a:solidFill>
             <a:schemeClr val="tx1"/>
           </a:solidFill>
@@ -3154,16 +3159,16 @@
           <a:cs typeface="+mn-cs"/>
         </a:defRPr>
       </a:lvl4pPr>
-      <a:lvl5pPr algn="l" defTabSz="914400" eaLnBrk="1" hangingPunct="1" indent="-228600" latinLnBrk="0" marL="2057400" rtl="0">
+      <a:lvl5pPr marL="2057400" indent="-228600" algn="l" defTabSz="914400" rtl="0" eaLnBrk="1" latinLnBrk="0" hangingPunct="1">
         <a:lnSpc>
           <a:spcPct val="90000"/>
         </a:lnSpc>
         <a:spcBef>
           <a:spcPts val="500"/>
         </a:spcBef>
-        <a:buFont charset="0" panose="020B0604020202020204" pitchFamily="34" typeface="Arial"/>
+        <a:buFont typeface="Arial" panose="020B0604020202020204" pitchFamily="34" charset="0"/>
         <a:buChar char="•"/>
-        <a:defRPr kern="1200" sz="1800">
+        <a:defRPr sz="1800" kern="1200">
           <a:solidFill>
             <a:schemeClr val="tx1"/>
           </a:solidFill>
@@ -3172,16 +3177,16 @@
           <a:cs typeface="+mn-cs"/>
         </a:defRPr>
       </a:lvl5pPr>
-      <a:lvl6pPr algn="l" defTabSz="914400" eaLnBrk="1" hangingPunct="1" indent="-228600" latinLnBrk="0" marL="2514600" rtl="0">
+      <a:lvl6pPr marL="2514600" indent="-228600" algn="l" defTabSz="914400" rtl="0" eaLnBrk="1" latinLnBrk="0" hangingPunct="1">
         <a:lnSpc>
           <a:spcPct val="90000"/>
         </a:lnSpc>
         <a:spcBef>
           <a:spcPts val="500"/>
         </a:spcBef>
-        <a:buFont charset="0" panose="020B0604020202020204" pitchFamily="34" typeface="Arial"/>
+        <a:buFont typeface="Arial" panose="020B0604020202020204" pitchFamily="34" charset="0"/>
         <a:buChar char="•"/>
-        <a:defRPr kern="1200" sz="1800">
+        <a:defRPr sz="1800" kern="1200">
           <a:solidFill>
             <a:schemeClr val="tx1"/>
           </a:solidFill>
@@ -3190,16 +3195,16 @@
           <a:cs typeface="+mn-cs"/>
         </a:defRPr>
       </a:lvl6pPr>
-      <a:lvl7pPr algn="l" defTabSz="914400" eaLnBrk="1" hangingPunct="1" indent="-228600" latinLnBrk="0" marL="2971800" rtl="0">
+      <a:lvl7pPr marL="2971800" indent="-228600" algn="l" defTabSz="914400" rtl="0" eaLnBrk="1" latinLnBrk="0" hangingPunct="1">
         <a:lnSpc>
           <a:spcPct val="90000"/>
         </a:lnSpc>
         <a:spcBef>
           <a:spcPts val="500"/>
         </a:spcBef>
-        <a:buFont charset="0" panose="020B0604020202020204" pitchFamily="34" typeface="Arial"/>
+        <a:buFont typeface="Arial" panose="020B0604020202020204" pitchFamily="34" charset="0"/>
         <a:buChar char="•"/>
-        <a:defRPr kern="1200" sz="1800">
+        <a:defRPr sz="1800" kern="1200">
           <a:solidFill>
             <a:schemeClr val="tx1"/>
           </a:solidFill>
@@ -3208,16 +3213,16 @@
           <a:cs typeface="+mn-cs"/>
         </a:defRPr>
       </a:lvl7pPr>
-      <a:lvl8pPr algn="l" defTabSz="914400" eaLnBrk="1" hangingPunct="1" indent="-228600" latinLnBrk="0" marL="3429000" rtl="0">
+      <a:lvl8pPr marL="3429000" indent="-228600" algn="l" defTabSz="914400" rtl="0" eaLnBrk="1" latinLnBrk="0" hangingPunct="1">
         <a:lnSpc>
           <a:spcPct val="90000"/>
         </a:lnSpc>
         <a:spcBef>
           <a:spcPts val="500"/>
         </a:spcBef>
-        <a:buFont charset="0" panose="020B0604020202020204" pitchFamily="34" typeface="Arial"/>
+        <a:buFont typeface="Arial" panose="020B0604020202020204" pitchFamily="34" charset="0"/>
         <a:buChar char="•"/>
-        <a:defRPr kern="1200" sz="1800">
+        <a:defRPr sz="1800" kern="1200">
           <a:solidFill>
             <a:schemeClr val="tx1"/>
           </a:solidFill>
@@ -3226,16 +3231,16 @@
           <a:cs typeface="+mn-cs"/>
         </a:defRPr>
       </a:lvl8pPr>
-      <a:lvl9pPr algn="l" defTabSz="914400" eaLnBrk="1" hangingPunct="1" indent="-228600" latinLnBrk="0" marL="3886200" rtl="0">
+      <a:lvl9pPr marL="3886200" indent="-228600" algn="l" defTabSz="914400" rtl="0" eaLnBrk="1" latinLnBrk="0" hangingPunct="1">
         <a:lnSpc>
           <a:spcPct val="90000"/>
         </a:lnSpc>
         <a:spcBef>
           <a:spcPts val="500"/>
         </a:spcBef>
-        <a:buFont charset="0" panose="020B0604020202020204" pitchFamily="34" typeface="Arial"/>
+        <a:buFont typeface="Arial" panose="020B0604020202020204" pitchFamily="34" charset="0"/>
         <a:buChar char="•"/>
-        <a:defRPr kern="1200" sz="1800">
+        <a:defRPr sz="1800" kern="1200">
           <a:solidFill>
             <a:schemeClr val="tx1"/>
           </a:solidFill>
@@ -3249,8 +3254,8 @@
       <a:defPPr>
         <a:defRPr lang="en-US"/>
       </a:defPPr>
-      <a:lvl1pPr algn="l" defTabSz="914400" eaLnBrk="1" hangingPunct="1" latinLnBrk="0" marL="0" rtl="0">
-        <a:defRPr kern="1200" sz="1800">
+      <a:lvl1pPr marL="0" algn="l" defTabSz="914400" rtl="0" eaLnBrk="1" latinLnBrk="0" hangingPunct="1">
+        <a:defRPr sz="1800" kern="1200">
           <a:solidFill>
             <a:schemeClr val="tx1"/>
           </a:solidFill>
@@ -3259,8 +3264,8 @@
           <a:cs typeface="+mn-cs"/>
         </a:defRPr>
       </a:lvl1pPr>
-      <a:lvl2pPr algn="l" defTabSz="914400" eaLnBrk="1" hangingPunct="1" latinLnBrk="0" marL="457200" rtl="0">
-        <a:defRPr kern="1200" sz="1800">
+      <a:lvl2pPr marL="457200" algn="l" defTabSz="914400" rtl="0" eaLnBrk="1" latinLnBrk="0" hangingPunct="1">
+        <a:defRPr sz="1800" kern="1200">
           <a:solidFill>
             <a:schemeClr val="tx1"/>
           </a:solidFill>
@@ -3269,8 +3274,8 @@
           <a:cs typeface="+mn-cs"/>
         </a:defRPr>
       </a:lvl2pPr>
-      <a:lvl3pPr algn="l" defTabSz="914400" eaLnBrk="1" hangingPunct="1" latinLnBrk="0" marL="914400" rtl="0">
-        <a:defRPr kern="1200" sz="1800">
+      <a:lvl3pPr marL="914400" algn="l" defTabSz="914400" rtl="0" eaLnBrk="1" latinLnBrk="0" hangingPunct="1">
+        <a:defRPr sz="1800" kern="1200">
           <a:solidFill>
             <a:schemeClr val="tx1"/>
           </a:solidFill>
@@ -3279,8 +3284,8 @@
           <a:cs typeface="+mn-cs"/>
         </a:defRPr>
       </a:lvl3pPr>
-      <a:lvl4pPr algn="l" defTabSz="914400" eaLnBrk="1" hangingPunct="1" latinLnBrk="0" marL="1371600" rtl="0">
-        <a:defRPr kern="1200" sz="1800">
+      <a:lvl4pPr marL="1371600" algn="l" defTabSz="914400" rtl="0" eaLnBrk="1" latinLnBrk="0" hangingPunct="1">
+        <a:defRPr sz="1800" kern="1200">
           <a:solidFill>
             <a:schemeClr val="tx1"/>
           </a:solidFill>
@@ -3289,8 +3294,8 @@
           <a:cs typeface="+mn-cs"/>
         </a:defRPr>
       </a:lvl4pPr>
-      <a:lvl5pPr algn="l" defTabSz="914400" eaLnBrk="1" hangingPunct="1" latinLnBrk="0" marL="1828800" rtl="0">
-        <a:defRPr kern="1200" sz="1800">
+      <a:lvl5pPr marL="1828800" algn="l" defTabSz="914400" rtl="0" eaLnBrk="1" latinLnBrk="0" hangingPunct="1">
+        <a:defRPr sz="1800" kern="1200">
           <a:solidFill>
             <a:schemeClr val="tx1"/>
           </a:solidFill>
@@ -3299,8 +3304,8 @@
           <a:cs typeface="+mn-cs"/>
         </a:defRPr>
       </a:lvl5pPr>
-      <a:lvl6pPr algn="l" defTabSz="914400" eaLnBrk="1" hangingPunct="1" latinLnBrk="0" marL="2286000" rtl="0">
-        <a:defRPr kern="1200" sz="1800">
+      <a:lvl6pPr marL="2286000" algn="l" defTabSz="914400" rtl="0" eaLnBrk="1" latinLnBrk="0" hangingPunct="1">
+        <a:defRPr sz="1800" kern="1200">
           <a:solidFill>
             <a:schemeClr val="tx1"/>
           </a:solidFill>
@@ -3309,8 +3314,8 @@
           <a:cs typeface="+mn-cs"/>
         </a:defRPr>
       </a:lvl6pPr>
-      <a:lvl7pPr algn="l" defTabSz="914400" eaLnBrk="1" hangingPunct="1" latinLnBrk="0" marL="2743200" rtl="0">
-        <a:defRPr kern="1200" sz="1800">
+      <a:lvl7pPr marL="2743200" algn="l" defTabSz="914400" rtl="0" eaLnBrk="1" latinLnBrk="0" hangingPunct="1">
+        <a:defRPr sz="1800" kern="1200">
           <a:solidFill>
             <a:schemeClr val="tx1"/>
           </a:solidFill>
@@ -3319,8 +3324,8 @@
           <a:cs typeface="+mn-cs"/>
         </a:defRPr>
       </a:lvl7pPr>
-      <a:lvl8pPr algn="l" defTabSz="914400" eaLnBrk="1" hangingPunct="1" latinLnBrk="0" marL="3200400" rtl="0">
-        <a:defRPr kern="1200" sz="1800">
+      <a:lvl8pPr marL="3200400" algn="l" defTabSz="914400" rtl="0" eaLnBrk="1" latinLnBrk="0" hangingPunct="1">
+        <a:defRPr sz="1800" kern="1200">
           <a:solidFill>
             <a:schemeClr val="tx1"/>
           </a:solidFill>
@@ -3329,8 +3334,8 @@
           <a:cs typeface="+mn-cs"/>
         </a:defRPr>
       </a:lvl8pPr>
-      <a:lvl9pPr algn="l" defTabSz="914400" eaLnBrk="1" hangingPunct="1" latinLnBrk="0" marL="3657600" rtl="0">
-        <a:defRPr kern="1200" sz="1800">
+      <a:lvl9pPr marL="3657600" algn="l" defTabSz="914400" rtl="0" eaLnBrk="1" latinLnBrk="0" hangingPunct="1">
+        <a:defRPr sz="1800" kern="1200">
           <a:solidFill>
             <a:schemeClr val="tx1"/>
           </a:solidFill>
@@ -3387,18 +3392,102 @@
           <a:bodyPr/>
           <a:lstStyle/>
           <a:p>
-            <a:pPr lvl="0" indent="0" marL="0">
+            <a:pPr marL="0" lvl="0" indent="0">
               <a:buNone/>
             </a:pPr>
             <a:r>
-              <a:rPr/>
               <a:t>Data Subsetting</a:t>
+            </a:r>
+          </a:p>
+        </p:txBody>
+      </p:sp>
+      <p:pic>
+        <p:nvPicPr>
+          <p:cNvPr id="3" name="Picture 4" descr="Data Science Toolkit">
+            <a:extLst>
+              <a:ext uri="{FF2B5EF4-FFF2-40B4-BE49-F238E27FC236}">
+                <a16:creationId xmlns:a16="http://schemas.microsoft.com/office/drawing/2014/main" id="{29E700DB-97B4-4F0A-C22F-A1F298536002}"/>
+              </a:ext>
+            </a:extLst>
+          </p:cNvPr>
+          <p:cNvPicPr>
+            <a:picLocks noChangeAspect="1" noChangeArrowheads="1"/>
+          </p:cNvPicPr>
+          <p:nvPr/>
+        </p:nvPicPr>
+        <p:blipFill>
+          <a:blip r:embed="rId2">
+            <a:extLst>
+              <a:ext uri="{28A0092B-C50C-407E-A947-70E740481C1C}">
+                <a14:useLocalDpi xmlns:a14="http://schemas.microsoft.com/office/drawing/2010/main" val="0"/>
+              </a:ext>
+            </a:extLst>
+          </a:blip>
+          <a:srcRect/>
+          <a:stretch>
+            <a:fillRect/>
+          </a:stretch>
+        </p:blipFill>
+        <p:spPr bwMode="auto">
+          <a:xfrm>
+            <a:off x="513846" y="89738"/>
+            <a:ext cx="2797816" cy="3240000"/>
+          </a:xfrm>
+          <a:prstGeom prst="rect">
+            <a:avLst/>
+          </a:prstGeom>
+          <a:noFill/>
+          <a:extLst>
+            <a:ext uri="{909E8E84-426E-40DD-AFC4-6F175D3DCCD1}">
+              <a14:hiddenFill xmlns:a14="http://schemas.microsoft.com/office/drawing/2010/main">
+                <a:solidFill>
+                  <a:srgbClr val="FFFFFF"/>
+                </a:solidFill>
+              </a14:hiddenFill>
+            </a:ext>
+          </a:extLst>
+        </p:spPr>
+      </p:pic>
+      <p:sp>
+        <p:nvSpPr>
+          <p:cNvPr id="4" name="TextBox 3">
+            <a:extLst>
+              <a:ext uri="{FF2B5EF4-FFF2-40B4-BE49-F238E27FC236}">
+                <a16:creationId xmlns:a16="http://schemas.microsoft.com/office/drawing/2014/main" id="{AA5B09DE-DB29-BB2D-B593-C4A424D7FDEA}"/>
+              </a:ext>
+            </a:extLst>
+          </p:cNvPr>
+          <p:cNvSpPr txBox="1"/>
+          <p:nvPr/>
+        </p:nvSpPr>
+        <p:spPr>
+          <a:xfrm>
+            <a:off x="3311662" y="832032"/>
+            <a:ext cx="4473432" cy="461665"/>
+          </a:xfrm>
+          <a:prstGeom prst="rect">
+            <a:avLst/>
+          </a:prstGeom>
+          <a:noFill/>
+        </p:spPr>
+        <p:txBody>
+          <a:bodyPr wrap="square">
+            <a:spAutoFit/>
+          </a:bodyPr>
+          <a:lstStyle/>
+          <a:p>
+            <a:r>
+              <a:rPr lang="en-GB" sz="2400" b="1" dirty="0"/>
+              <a:t>https://RStatsBootcamp.com/</a:t>
             </a:r>
           </a:p>
         </p:txBody>
       </p:sp>
     </p:spTree>
   </p:cSld>
+  <p:clrMapOvr>
+    <a:masterClrMapping/>
+  </p:clrMapOvr>
 </p:sld>
 </file>
 
@@ -3440,11 +3529,10 @@
           <a:bodyPr/>
           <a:lstStyle/>
           <a:p>
-            <a:pPr lvl="0" indent="0" marL="0">
+            <a:pPr marL="0" lvl="0" indent="0">
               <a:buNone/>
             </a:pPr>
             <a:r>
-              <a:rPr/>
               <a:t>Data Frame Selection</a:t>
             </a:r>
           </a:p>
@@ -3473,28 +3561,24 @@
           <a:p>
             <a:pPr lvl="0"/>
             <a:r>
-              <a:rPr/>
               <a:t>Select rows based on values in one or more variables</a:t>
             </a:r>
           </a:p>
           <a:p>
             <a:pPr lvl="0"/>
             <a:r>
-              <a:rPr/>
               <a:t>Combine multiple conditions with &amp; (and) and | (or)</a:t>
             </a:r>
           </a:p>
           <a:p>
             <a:pPr lvl="0"/>
             <a:r>
-              <a:rPr/>
               <a:t>Use which() with complex boolean expressions</a:t>
             </a:r>
           </a:p>
           <a:p>
             <a:pPr lvl="0"/>
             <a:r>
-              <a:rPr/>
               <a:t>Powerful method for data filtering and analysis</a:t>
             </a:r>
           </a:p>
@@ -3502,6 +3586,9 @@
       </p:sp>
     </p:spTree>
   </p:cSld>
+  <p:clrMapOvr>
+    <a:masterClrMapping/>
+  </p:clrMapOvr>
 </p:sld>
 </file>
 
@@ -3543,11 +3630,10 @@
           <a:bodyPr/>
           <a:lstStyle/>
           <a:p>
-            <a:pPr lvl="0" indent="0" marL="0">
+            <a:pPr marL="0" lvl="0" indent="0">
               <a:buNone/>
             </a:pPr>
             <a:r>
-              <a:rPr/>
               <a:t>Compound Boolean Operations</a:t>
             </a:r>
           </a:p>
@@ -3576,28 +3662,24 @@
           <a:p>
             <a:pPr lvl="0"/>
             <a:r>
-              <a:rPr/>
               <a:t>Chain multiple conditions with logical operators</a:t>
             </a:r>
           </a:p>
           <a:p>
             <a:pPr lvl="0"/>
             <a:r>
-              <a:rPr/>
               <a:t>Use parentheses to control evaluation order</a:t>
             </a:r>
           </a:p>
           <a:p>
             <a:pPr lvl="0"/>
             <a:r>
-              <a:rPr/>
               <a:t>Build complex selection rules step by step</a:t>
             </a:r>
           </a:p>
           <a:p>
             <a:pPr lvl="0"/>
             <a:r>
-              <a:rPr/>
               <a:t>Essential for sophisticated data manipulation</a:t>
             </a:r>
           </a:p>
@@ -3605,6 +3687,9 @@
       </p:sp>
     </p:spTree>
   </p:cSld>
+  <p:clrMapOvr>
+    <a:masterClrMapping/>
+  </p:clrMapOvr>
 </p:sld>
 </file>
 
@@ -3646,11 +3731,10 @@
           <a:bodyPr/>
           <a:lstStyle/>
           <a:p>
-            <a:pPr lvl="0" indent="0" marL="0">
+            <a:pPr marL="0" lvl="0" indent="0">
               <a:buNone/>
             </a:pPr>
             <a:r>
-              <a:rPr/>
               <a:t>The aggregate() Function</a:t>
             </a:r>
           </a:p>
@@ -3679,28 +3763,24 @@
           <a:p>
             <a:pPr lvl="0"/>
             <a:r>
-              <a:rPr/>
               <a:t>Summarize data by groups using specified functions</a:t>
             </a:r>
           </a:p>
           <a:p>
             <a:pPr lvl="0"/>
             <a:r>
-              <a:rPr/>
               <a:t>x argument: numeric data to summarize</a:t>
             </a:r>
           </a:p>
           <a:p>
             <a:pPr lvl="0"/>
             <a:r>
-              <a:rPr/>
               <a:t>by argument: list of grouping variables</a:t>
             </a:r>
           </a:p>
           <a:p>
             <a:pPr lvl="0"/>
             <a:r>
-              <a:rPr/>
               <a:t>FUN argument: function to apply (mean, sd, etc.)</a:t>
             </a:r>
           </a:p>
@@ -3708,6 +3788,9 @@
       </p:sp>
     </p:spTree>
   </p:cSld>
+  <p:clrMapOvr>
+    <a:masterClrMapping/>
+  </p:clrMapOvr>
 </p:sld>
 </file>
 
@@ -3749,11 +3832,10 @@
           <a:bodyPr/>
           <a:lstStyle/>
           <a:p>
-            <a:pPr lvl="0" indent="0" marL="0">
+            <a:pPr marL="0" lvl="0" indent="0">
               <a:buNone/>
             </a:pPr>
             <a:r>
-              <a:rPr/>
               <a:t>Custom Functions in aggregate()</a:t>
             </a:r>
           </a:p>
@@ -3782,28 +3864,24 @@
           <a:p>
             <a:pPr lvl="0"/>
             <a:r>
-              <a:rPr/>
               <a:t>Create custom summary functions with function()</a:t>
             </a:r>
           </a:p>
           <a:p>
             <a:pPr lvl="0"/>
             <a:r>
-              <a:rPr/>
               <a:t>Apply multiple statistics simultaneously</a:t>
             </a:r>
           </a:p>
           <a:p>
             <a:pPr lvl="0"/>
             <a:r>
-              <a:rPr/>
               <a:t>Name output elements for clarity</a:t>
             </a:r>
           </a:p>
           <a:p>
             <a:pPr lvl="0"/>
             <a:r>
-              <a:rPr/>
               <a:t>Powerful tool for grouped data analysis</a:t>
             </a:r>
           </a:p>
@@ -3811,6 +3889,9 @@
       </p:sp>
     </p:spTree>
   </p:cSld>
+  <p:clrMapOvr>
+    <a:masterClrMapping/>
+  </p:clrMapOvr>
 </p:sld>
 </file>
 
@@ -3852,11 +3933,10 @@
           <a:bodyPr/>
           <a:lstStyle/>
           <a:p>
-            <a:pPr lvl="0" indent="0" marL="0">
+            <a:pPr marL="0" lvl="0" indent="0">
               <a:buNone/>
             </a:pPr>
             <a:r>
-              <a:rPr/>
               <a:t>Learning Objectives</a:t>
             </a:r>
           </a:p>
@@ -3885,28 +3965,24 @@
           <a:p>
             <a:pPr lvl="0"/>
             <a:r>
-              <a:rPr/>
               <a:t>Describe indexing concept for vectors and matrices</a:t>
             </a:r>
           </a:p>
           <a:p>
             <a:pPr lvl="0"/>
             <a:r>
-              <a:rPr/>
               <a:t>Use which() function to subset data effectively</a:t>
             </a:r>
           </a:p>
           <a:p>
             <a:pPr lvl="0"/>
             <a:r>
-              <a:rPr/>
               <a:t>Select specific parts of data frames</a:t>
             </a:r>
           </a:p>
           <a:p>
             <a:pPr lvl="0"/>
             <a:r>
-              <a:rPr/>
               <a:t>Use aggregate() function to summarize data</a:t>
             </a:r>
           </a:p>
@@ -3914,6 +3990,9 @@
       </p:sp>
     </p:spTree>
   </p:cSld>
+  <p:clrMapOvr>
+    <a:masterClrMapping/>
+  </p:clrMapOvr>
 </p:sld>
 </file>
 
@@ -3955,11 +4034,10 @@
           <a:bodyPr/>
           <a:lstStyle/>
           <a:p>
-            <a:pPr lvl="0" indent="0" marL="0">
+            <a:pPr marL="0" lvl="0" indent="0">
               <a:buNone/>
             </a:pPr>
             <a:r>
-              <a:rPr/>
               <a:t>Data Sumo Philosophy</a:t>
             </a:r>
           </a:p>
@@ -3988,28 +4066,24 @@
           <a:p>
             <a:pPr lvl="0"/>
             <a:r>
-              <a:rPr/>
               <a:t>Subsetting and manipulating data is core activity</a:t>
             </a:r>
           </a:p>
           <a:p>
             <a:pPr lvl="0"/>
             <a:r>
-              <a:rPr/>
               <a:t>Essential for exploratory data analysis</a:t>
             </a:r>
           </a:p>
           <a:p>
             <a:pPr lvl="0"/>
             <a:r>
-              <a:rPr/>
               <a:t>Used extensively in data acquisition and analysis</a:t>
             </a:r>
           </a:p>
           <a:p>
             <a:pPr lvl="0"/>
             <a:r>
-              <a:rPr/>
               <a:t>Foundation for database queries and data manipulation</a:t>
             </a:r>
           </a:p>
@@ -4017,6 +4091,9 @@
       </p:sp>
     </p:spTree>
   </p:cSld>
+  <p:clrMapOvr>
+    <a:masterClrMapping/>
+  </p:clrMapOvr>
 </p:sld>
 </file>
 
@@ -4058,11 +4135,10 @@
           <a:bodyPr/>
           <a:lstStyle/>
           <a:p>
-            <a:pPr lvl="0" indent="0" marL="0">
+            <a:pPr marL="0" lvl="0" indent="0">
               <a:buNone/>
             </a:pPr>
             <a:r>
-              <a:rPr/>
               <a:t>Indexing Concept Basics</a:t>
             </a:r>
           </a:p>
@@ -4091,28 +4167,24 @@
           <a:p>
             <a:pPr lvl="0"/>
             <a:r>
-              <a:rPr/>
               <a:t>Data objects store values accessible by “address”</a:t>
             </a:r>
           </a:p>
           <a:p>
             <a:pPr lvl="0"/>
             <a:r>
-              <a:rPr/>
               <a:t>Vectors (1D), matrices (2D), arrays (3D+) have indices</a:t>
             </a:r>
           </a:p>
           <a:p>
             <a:pPr lvl="0"/>
             <a:r>
-              <a:rPr/>
               <a:t>Index values correspond to position of data</a:t>
             </a:r>
           </a:p>
           <a:p>
             <a:pPr lvl="0"/>
             <a:r>
-              <a:rPr/>
               <a:t>Essential for slicing and dicing data</a:t>
             </a:r>
           </a:p>
@@ -4120,6 +4192,9 @@
       </p:sp>
     </p:spTree>
   </p:cSld>
+  <p:clrMapOvr>
+    <a:masterClrMapping/>
+  </p:clrMapOvr>
 </p:sld>
 </file>
 
@@ -4161,11 +4236,10 @@
           <a:bodyPr/>
           <a:lstStyle/>
           <a:p>
-            <a:pPr lvl="0" indent="0" marL="0">
+            <a:pPr marL="0" lvl="0" indent="0">
               <a:buNone/>
             </a:pPr>
             <a:r>
-              <a:rPr/>
               <a:t>Vector Indexing</a:t>
             </a:r>
           </a:p>
@@ -4194,28 +4268,24 @@
           <a:p>
             <a:pPr lvl="0"/>
             <a:r>
-              <a:rPr/>
               <a:t>Vector indices run from 1 to length of vector</a:t>
             </a:r>
           </a:p>
           <a:p>
             <a:pPr lvl="0"/>
             <a:r>
-              <a:rPr/>
               <a:t>Use [1:i] notation to access elements</a:t>
             </a:r>
           </a:p>
           <a:p>
             <a:pPr lvl="0"/>
             <a:r>
-              <a:rPr/>
               <a:t>R displays index in console output [1]</a:t>
             </a:r>
           </a:p>
           <a:p>
             <a:pPr lvl="0"/>
             <a:r>
-              <a:rPr/>
               <a:t>Access single elements or ranges with brackets</a:t>
             </a:r>
           </a:p>
@@ -4223,6 +4293,9 @@
       </p:sp>
     </p:spTree>
   </p:cSld>
+  <p:clrMapOvr>
+    <a:masterClrMapping/>
+  </p:clrMapOvr>
 </p:sld>
 </file>
 
@@ -4264,11 +4337,10 @@
           <a:bodyPr/>
           <a:lstStyle/>
           <a:p>
-            <a:pPr lvl="0" indent="0" marL="0">
+            <a:pPr marL="0" lvl="0" indent="0">
               <a:buNone/>
             </a:pPr>
             <a:r>
-              <a:rPr/>
               <a:t>Matrix Indexing</a:t>
             </a:r>
           </a:p>
@@ -4297,28 +4369,24 @@
           <a:p>
             <a:pPr lvl="0"/>
             <a:r>
-              <a:rPr/>
               <a:t>Two dimensions: [rows, columns] or [i, j]</a:t>
             </a:r>
           </a:p>
           <a:p>
             <a:pPr lvl="0"/>
             <a:r>
-              <a:rPr/>
               <a:t>Slice out entire rows or columns with blank space</a:t>
             </a:r>
           </a:p>
           <a:p>
             <a:pPr lvl="0"/>
             <a:r>
-              <a:rPr/>
               <a:t>Can name rows and columns for easier access</a:t>
             </a:r>
           </a:p>
           <a:p>
             <a:pPr lvl="0"/>
             <a:r>
-              <a:rPr/>
               <a:t>Use names in quotes for selection by name</a:t>
             </a:r>
           </a:p>
@@ -4326,6 +4394,9 @@
       </p:sp>
     </p:spTree>
   </p:cSld>
+  <p:clrMapOvr>
+    <a:masterClrMapping/>
+  </p:clrMapOvr>
 </p:sld>
 </file>
 
@@ -4367,11 +4438,10 @@
           <a:bodyPr/>
           <a:lstStyle/>
           <a:p>
-            <a:pPr lvl="0" indent="0" marL="0">
+            <a:pPr marL="0" lvl="0" indent="0">
               <a:buNone/>
             </a:pPr>
             <a:r>
-              <a:rPr/>
               <a:t>Array Indexing</a:t>
             </a:r>
           </a:p>
@@ -4400,28 +4470,24 @@
           <a:p>
             <a:pPr lvl="0"/>
             <a:r>
-              <a:rPr/>
               <a:t>Three or more dimensions: [i, j, k, …]</a:t>
             </a:r>
           </a:p>
           <a:p>
             <a:pPr lvl="0"/>
             <a:r>
-              <a:rPr/>
               <a:t>Each dimension represents different data organization</a:t>
             </a:r>
           </a:p>
           <a:p>
             <a:pPr lvl="0"/>
             <a:r>
-              <a:rPr/>
               <a:t>More complex but follows same principles</a:t>
             </a:r>
           </a:p>
           <a:p>
             <a:pPr lvl="0"/>
             <a:r>
-              <a:rPr/>
               <a:t>Useful for multi-dimensional data analysis</a:t>
             </a:r>
           </a:p>
@@ -4429,6 +4495,9 @@
       </p:sp>
     </p:spTree>
   </p:cSld>
+  <p:clrMapOvr>
+    <a:masterClrMapping/>
+  </p:clrMapOvr>
 </p:sld>
 </file>
 
@@ -4470,11 +4539,10 @@
           <a:bodyPr/>
           <a:lstStyle/>
           <a:p>
-            <a:pPr lvl="0" indent="0" marL="0">
+            <a:pPr marL="0" lvl="0" indent="0">
               <a:buNone/>
             </a:pPr>
             <a:r>
-              <a:rPr/>
               <a:t>The which() Function</a:t>
             </a:r>
           </a:p>
@@ -4503,28 +4571,24 @@
           <a:p>
             <a:pPr lvl="0"/>
             <a:r>
-              <a:rPr/>
               <a:t>Returns index values where logical expression is TRUE</a:t>
             </a:r>
           </a:p>
           <a:p>
             <a:pPr lvl="0"/>
             <a:r>
-              <a:rPr/>
               <a:t>Requires logical vector as input argument</a:t>
             </a:r>
           </a:p>
           <a:p>
             <a:pPr lvl="0"/>
             <a:r>
-              <a:rPr/>
               <a:t>Powerful for constructing data queries</a:t>
             </a:r>
           </a:p>
           <a:p>
             <a:pPr lvl="0"/>
             <a:r>
-              <a:rPr/>
               <a:t>Essential tool for conditional data selection</a:t>
             </a:r>
           </a:p>
@@ -4532,6 +4596,9 @@
       </p:sp>
     </p:spTree>
   </p:cSld>
+  <p:clrMapOvr>
+    <a:masterClrMapping/>
+  </p:clrMapOvr>
 </p:sld>
 </file>
 
@@ -4573,11 +4640,10 @@
           <a:bodyPr/>
           <a:lstStyle/>
           <a:p>
-            <a:pPr lvl="0" indent="0" marL="0">
+            <a:pPr marL="0" lvl="0" indent="0">
               <a:buNone/>
             </a:pPr>
             <a:r>
-              <a:rPr/>
               <a:t>Boolean Selection Strategies</a:t>
             </a:r>
           </a:p>
@@ -4606,28 +4672,24 @@
           <a:p>
             <a:pPr lvl="0"/>
             <a:r>
-              <a:rPr/>
               <a:t>Create logical expressions to identify data subsets</a:t>
             </a:r>
           </a:p>
           <a:p>
             <a:pPr lvl="0"/>
             <a:r>
-              <a:rPr/>
               <a:t>Use which() to get index positions of TRUE values</a:t>
             </a:r>
           </a:p>
           <a:p>
             <a:pPr lvl="0"/>
             <a:r>
-              <a:rPr/>
               <a:t>Apply indices to extract desired data values</a:t>
             </a:r>
           </a:p>
           <a:p>
             <a:pPr lvl="0"/>
             <a:r>
-              <a:rPr/>
               <a:t>Alternative to creating multiple dataset versions</a:t>
             </a:r>
           </a:p>
@@ -4635,6 +4697,9 @@
       </p:sp>
     </p:spTree>
   </p:cSld>
+  <p:clrMapOvr>
+    <a:masterClrMapping/>
+  </p:clrMapOvr>
 </p:sld>
 </file>
 
@@ -4951,265 +5016,4 @@
     </a:ext>
   </a:extLst>
 </a:theme>
-</file>
-
-<file path=ppt/theme/theme2.xml><?xml version="1.0" encoding="utf-8"?>
-<a:theme xmlns:a="http://schemas.openxmlformats.org/drawingml/2006/main" name="Office Theme">
-  <a:themeElements>
-    <a:clrScheme name="Office">
-      <a:dk1>
-        <a:sysClr val="windowText" lastClr="000000"/>
-      </a:dk1>
-      <a:lt1>
-        <a:sysClr val="window" lastClr="FFFFFF"/>
-      </a:lt1>
-      <a:dk2>
-        <a:srgbClr val="44546A"/>
-      </a:dk2>
-      <a:lt2>
-        <a:srgbClr val="E7E6E6"/>
-      </a:lt2>
-      <a:accent1>
-        <a:srgbClr val="5B9BD5"/>
-      </a:accent1>
-      <a:accent2>
-        <a:srgbClr val="ED7D31"/>
-      </a:accent2>
-      <a:accent3>
-        <a:srgbClr val="A5A5A5"/>
-      </a:accent3>
-      <a:accent4>
-        <a:srgbClr val="FFC000"/>
-      </a:accent4>
-      <a:accent5>
-        <a:srgbClr val="4472C4"/>
-      </a:accent5>
-      <a:accent6>
-        <a:srgbClr val="70AD47"/>
-      </a:accent6>
-      <a:hlink>
-        <a:srgbClr val="0563C1"/>
-      </a:hlink>
-      <a:folHlink>
-        <a:srgbClr val="954F72"/>
-      </a:folHlink>
-    </a:clrScheme>
-    <a:fontScheme name="Office">
-      <a:majorFont>
-        <a:latin typeface="Calibri Light" panose="020F0302020204030204"/>
-        <a:ea typeface=""/>
-        <a:cs typeface=""/>
-        <a:font script="Jpan" typeface="ＭＳ Ｐゴシック"/>
-        <a:font script="Hang" typeface="맑은 고딕"/>
-        <a:font script="Hans" typeface="宋体"/>
-        <a:font script="Hant" typeface="新細明體"/>
-        <a:font script="Arab" typeface="Times New Roman"/>
-        <a:font script="Hebr" typeface="Times New Roman"/>
-        <a:font script="Thai" typeface="Angsana New"/>
-        <a:font script="Ethi" typeface="Nyala"/>
-        <a:font script="Beng" typeface="Vrinda"/>
-        <a:font script="Gujr" typeface="Shruti"/>
-        <a:font script="Khmr" typeface="MoolBoran"/>
-        <a:font script="Knda" typeface="Tunga"/>
-        <a:font script="Guru" typeface="Raavi"/>
-        <a:font script="Cans" typeface="Euphemia"/>
-        <a:font script="Cher" typeface="Plantagenet Cherokee"/>
-        <a:font script="Yiii" typeface="Microsoft Yi Baiti"/>
-        <a:font script="Tibt" typeface="Microsoft Himalaya"/>
-        <a:font script="Thaa" typeface="MV Boli"/>
-        <a:font script="Deva" typeface="Mangal"/>
-        <a:font script="Telu" typeface="Gautami"/>
-        <a:font script="Taml" typeface="Latha"/>
-        <a:font script="Syrc" typeface="Estrangelo Edessa"/>
-        <a:font script="Orya" typeface="Kalinga"/>
-        <a:font script="Mlym" typeface="Kartika"/>
-        <a:font script="Laoo" typeface="DokChampa"/>
-        <a:font script="Sinh" typeface="Iskoola Pota"/>
-        <a:font script="Mong" typeface="Mongolian Baiti"/>
-        <a:font script="Viet" typeface="Times New Roman"/>
-        <a:font script="Uigh" typeface="Microsoft Uighur"/>
-        <a:font script="Geor" typeface="Sylfaen"/>
-      </a:majorFont>
-      <a:minorFont>
-        <a:latin typeface="Calibri" panose="020F0502020204030204"/>
-        <a:ea typeface=""/>
-        <a:cs typeface=""/>
-        <a:font script="Jpan" typeface="ＭＳ Ｐゴシック"/>
-        <a:font script="Hang" typeface="맑은 고딕"/>
-        <a:font script="Hans" typeface="宋体"/>
-        <a:font script="Hant" typeface="新細明體"/>
-        <a:font script="Arab" typeface="Arial"/>
-        <a:font script="Hebr" typeface="Arial"/>
-        <a:font script="Thai" typeface="Cordia New"/>
-        <a:font script="Ethi" typeface="Nyala"/>
-        <a:font script="Beng" typeface="Vrinda"/>
-        <a:font script="Gujr" typeface="Shruti"/>
-        <a:font script="Khmr" typeface="DaunPenh"/>
-        <a:font script="Knda" typeface="Tunga"/>
-        <a:font script="Guru" typeface="Raavi"/>
-        <a:font script="Cans" typeface="Euphemia"/>
-        <a:font script="Cher" typeface="Plantagenet Cherokee"/>
-        <a:font script="Yiii" typeface="Microsoft Yi Baiti"/>
-        <a:font script="Tibt" typeface="Microsoft Himalaya"/>
-        <a:font script="Thaa" typeface="MV Boli"/>
-        <a:font script="Deva" typeface="Mangal"/>
-        <a:font script="Telu" typeface="Gautami"/>
-        <a:font script="Taml" typeface="Latha"/>
-        <a:font script="Syrc" typeface="Estrangelo Edessa"/>
-        <a:font script="Orya" typeface="Kalinga"/>
-        <a:font script="Mlym" typeface="Kartika"/>
-        <a:font script="Laoo" typeface="DokChampa"/>
-        <a:font script="Sinh" typeface="Iskoola Pota"/>
-        <a:font script="Mong" typeface="Mongolian Baiti"/>
-        <a:font script="Viet" typeface="Arial"/>
-        <a:font script="Uigh" typeface="Microsoft Uighur"/>
-        <a:font script="Geor" typeface="Sylfaen"/>
-      </a:minorFont>
-    </a:fontScheme>
-    <a:fmtScheme name="Office">
-      <a:fillStyleLst>
-        <a:solidFill>
-          <a:schemeClr val="phClr"/>
-        </a:solidFill>
-        <a:gradFill rotWithShape="1">
-          <a:gsLst>
-            <a:gs pos="0">
-              <a:schemeClr val="phClr">
-                <a:lumMod val="110000"/>
-                <a:satMod val="105000"/>
-                <a:tint val="67000"/>
-              </a:schemeClr>
-            </a:gs>
-            <a:gs pos="50000">
-              <a:schemeClr val="phClr">
-                <a:lumMod val="105000"/>
-                <a:satMod val="103000"/>
-                <a:tint val="73000"/>
-              </a:schemeClr>
-            </a:gs>
-            <a:gs pos="100000">
-              <a:schemeClr val="phClr">
-                <a:lumMod val="105000"/>
-                <a:satMod val="109000"/>
-                <a:tint val="81000"/>
-              </a:schemeClr>
-            </a:gs>
-          </a:gsLst>
-          <a:lin ang="5400000" scaled="0"/>
-        </a:gradFill>
-        <a:gradFill rotWithShape="1">
-          <a:gsLst>
-            <a:gs pos="0">
-              <a:schemeClr val="phClr">
-                <a:satMod val="103000"/>
-                <a:lumMod val="102000"/>
-                <a:tint val="94000"/>
-              </a:schemeClr>
-            </a:gs>
-            <a:gs pos="50000">
-              <a:schemeClr val="phClr">
-                <a:satMod val="110000"/>
-                <a:lumMod val="100000"/>
-                <a:shade val="100000"/>
-              </a:schemeClr>
-            </a:gs>
-            <a:gs pos="100000">
-              <a:schemeClr val="phClr">
-                <a:lumMod val="99000"/>
-                <a:satMod val="120000"/>
-                <a:shade val="78000"/>
-              </a:schemeClr>
-            </a:gs>
-          </a:gsLst>
-          <a:lin ang="5400000" scaled="0"/>
-        </a:gradFill>
-      </a:fillStyleLst>
-      <a:lnStyleLst>
-        <a:ln w="6350" cap="flat" cmpd="sng" algn="ctr">
-          <a:solidFill>
-            <a:schemeClr val="phClr"/>
-          </a:solidFill>
-          <a:prstDash val="solid"/>
-          <a:miter lim="800000"/>
-        </a:ln>
-        <a:ln w="12700" cap="flat" cmpd="sng" algn="ctr">
-          <a:solidFill>
-            <a:schemeClr val="phClr"/>
-          </a:solidFill>
-          <a:prstDash val="solid"/>
-          <a:miter lim="800000"/>
-        </a:ln>
-        <a:ln w="19050" cap="flat" cmpd="sng" algn="ctr">
-          <a:solidFill>
-            <a:schemeClr val="phClr"/>
-          </a:solidFill>
-          <a:prstDash val="solid"/>
-          <a:miter lim="800000"/>
-        </a:ln>
-      </a:lnStyleLst>
-      <a:effectStyleLst>
-        <a:effectStyle>
-          <a:effectLst/>
-        </a:effectStyle>
-        <a:effectStyle>
-          <a:effectLst/>
-        </a:effectStyle>
-        <a:effectStyle>
-          <a:effectLst>
-            <a:outerShdw blurRad="57150" dist="19050" dir="5400000" algn="ctr" rotWithShape="0">
-              <a:srgbClr val="000000">
-                <a:alpha val="63000"/>
-              </a:srgbClr>
-            </a:outerShdw>
-          </a:effectLst>
-        </a:effectStyle>
-      </a:effectStyleLst>
-      <a:bgFillStyleLst>
-        <a:solidFill>
-          <a:schemeClr val="phClr"/>
-        </a:solidFill>
-        <a:solidFill>
-          <a:schemeClr val="phClr">
-            <a:tint val="95000"/>
-            <a:satMod val="170000"/>
-          </a:schemeClr>
-        </a:solidFill>
-        <a:gradFill rotWithShape="1">
-          <a:gsLst>
-            <a:gs pos="0">
-              <a:schemeClr val="phClr">
-                <a:tint val="93000"/>
-                <a:satMod val="150000"/>
-                <a:shade val="98000"/>
-                <a:lumMod val="102000"/>
-              </a:schemeClr>
-            </a:gs>
-            <a:gs pos="50000">
-              <a:schemeClr val="phClr">
-                <a:tint val="98000"/>
-                <a:satMod val="130000"/>
-                <a:shade val="90000"/>
-                <a:lumMod val="103000"/>
-              </a:schemeClr>
-            </a:gs>
-            <a:gs pos="100000">
-              <a:schemeClr val="phClr">
-                <a:shade val="63000"/>
-                <a:satMod val="120000"/>
-              </a:schemeClr>
-            </a:gs>
-          </a:gsLst>
-          <a:lin ang="5400000" scaled="0"/>
-        </a:gradFill>
-      </a:bgFillStyleLst>
-    </a:fmtScheme>
-  </a:themeElements>
-  <a:objectDefaults/>
-  <a:extraClrSchemeLst/>
-  <a:extLst>
-    <a:ext uri="{05A4C25C-085E-4340-85A3-A5531E510DB2}">
-      <thm15:themeFamily xmlns:thm15="http://schemas.microsoft.com/office/thememl/2012/main" name="Office Theme" id="{62F939B6-93AF-4DB8-9C6B-D6C7DFDC589F}" vid="{4A3C46E8-61CC-4603-A589-7422A47A8E4A}"/>
-    </a:ext>
-  </a:extLst>
-</a:theme>
 </file>